--- a/Core java.pptx
+++ b/Core java.pptx
@@ -8852,31 +8852,7 @@
                   <a:schemeClr val="tx1"/>
                 </a:solidFill>
               </a:rPr>
-              <a:t>Is both compiled </a:t>
-            </a:r>
-            <a:r>
-              <a:rPr lang="en-IN" dirty="0" smtClean="0">
-                <a:solidFill>
-                  <a:schemeClr val="tx1"/>
-                </a:solidFill>
-              </a:rPr>
-              <a:t>and </a:t>
-            </a:r>
-            <a:r>
-              <a:rPr lang="en-IN" dirty="0" smtClean="0">
-                <a:solidFill>
-                  <a:schemeClr val="tx1"/>
-                </a:solidFill>
-              </a:rPr>
-              <a:t>interpreted</a:t>
-            </a:r>
-            <a:r>
-              <a:rPr lang="en-IN" dirty="0" smtClean="0">
-                <a:solidFill>
-                  <a:schemeClr val="tx1"/>
-                </a:solidFill>
-              </a:rPr>
-              <a:t>.</a:t>
+              <a:t>Is both compiled and interpreted.</a:t>
             </a:r>
           </a:p>
           <a:p>
@@ -10711,7 +10687,6 @@
               <a:rPr lang="en-IN" dirty="0"/>
               <a:t>2</a:t>
             </a:r>
-            <a:endParaRPr lang="en-IN" dirty="0"/>
           </a:p>
         </p:txBody>
       </p:sp>
@@ -10754,7 +10729,6 @@
               <a:rPr lang="en-IN" dirty="0"/>
               <a:t>3</a:t>
             </a:r>
-            <a:endParaRPr lang="en-IN" dirty="0"/>
           </a:p>
         </p:txBody>
       </p:sp>
@@ -10797,7 +10771,6 @@
               <a:rPr lang="en-IN" dirty="0"/>
               <a:t>4</a:t>
             </a:r>
-            <a:endParaRPr lang="en-IN" dirty="0"/>
           </a:p>
         </p:txBody>
       </p:sp>
@@ -10840,7 +10813,6 @@
               <a:rPr lang="en-IN" dirty="0"/>
               <a:t>5</a:t>
             </a:r>
-            <a:endParaRPr lang="en-IN" dirty="0"/>
           </a:p>
         </p:txBody>
       </p:sp>
@@ -10883,7 +10855,6 @@
               <a:rPr lang="en-IN" dirty="0"/>
               <a:t>7</a:t>
             </a:r>
-            <a:endParaRPr lang="en-IN" dirty="0"/>
           </a:p>
         </p:txBody>
       </p:sp>
@@ -10926,7 +10897,6 @@
               <a:rPr lang="en-IN" dirty="0"/>
               <a:t>6</a:t>
             </a:r>
-            <a:endParaRPr lang="en-IN" dirty="0"/>
           </a:p>
         </p:txBody>
       </p:sp>
@@ -10969,7 +10939,6 @@
               <a:rPr lang="en-IN" dirty="0"/>
               <a:t>8</a:t>
             </a:r>
-            <a:endParaRPr lang="en-IN" dirty="0"/>
           </a:p>
         </p:txBody>
       </p:sp>
@@ -11012,7 +10981,6 @@
               <a:rPr lang="en-IN" dirty="0"/>
               <a:t>9</a:t>
             </a:r>
-            <a:endParaRPr lang="en-IN" dirty="0"/>
           </a:p>
         </p:txBody>
       </p:sp>
@@ -39850,7 +39818,7 @@
                   <a:schemeClr val="tx1"/>
                 </a:solidFill>
               </a:rPr>
-              <a:t>fiveFouths</a:t>
+              <a:t>fiveFourths</a:t>
             </a:r>
             <a:r>
               <a:rPr lang="en-IN" dirty="0" smtClean="0">
@@ -39858,7 +39826,15 @@
                   <a:schemeClr val="tx1"/>
                 </a:solidFill>
               </a:rPr>
-              <a:t> = 5.0/4.0;	// correct</a:t>
+              <a:t> </a:t>
+            </a:r>
+            <a:r>
+              <a:rPr lang="en-IN" dirty="0" smtClean="0">
+                <a:solidFill>
+                  <a:schemeClr val="tx1"/>
+                </a:solidFill>
+              </a:rPr>
+              <a:t>= 5.0/4.0;	// correct</a:t>
             </a:r>
           </a:p>
           <a:p>

--- a/Core java.pptx
+++ b/Core java.pptx
@@ -256,7 +256,7 @@
           <a:p>
             <a:fld id="{59537F14-4576-4D31-A580-996183DB9136}" type="datetimeFigureOut">
               <a:rPr lang="en-IN" smtClean="0"/>
-              <a:t>24-04-2018</a:t>
+              <a:t>25-06-2018</a:t>
             </a:fld>
             <a:endParaRPr lang="en-IN"/>
           </a:p>
@@ -800,7 +800,7 @@
             <a:fld id="{B61BEF0D-F0BB-DE4B-95CE-6DB70DBA9567}" type="datetimeFigureOut">
               <a:rPr lang="en-US" dirty="0"/>
               <a:pPr/>
-              <a:t>4/24/2018</a:t>
+              <a:t>6/25/2018</a:t>
             </a:fld>
             <a:endParaRPr lang="en-US" dirty="0"/>
           </a:p>
@@ -1233,7 +1233,7 @@
             <a:fld id="{B61BEF0D-F0BB-DE4B-95CE-6DB70DBA9567}" type="datetimeFigureOut">
               <a:rPr lang="en-US" dirty="0"/>
               <a:pPr/>
-              <a:t>4/24/2018</a:t>
+              <a:t>6/25/2018</a:t>
             </a:fld>
             <a:endParaRPr lang="en-US" dirty="0"/>
           </a:p>
@@ -1480,7 +1480,7 @@
             <a:fld id="{B61BEF0D-F0BB-DE4B-95CE-6DB70DBA9567}" type="datetimeFigureOut">
               <a:rPr lang="en-US" dirty="0"/>
               <a:pPr/>
-              <a:t>4/24/2018</a:t>
+              <a:t>6/25/2018</a:t>
             </a:fld>
             <a:endParaRPr lang="en-US" dirty="0"/>
           </a:p>
@@ -1785,7 +1785,7 @@
             <a:fld id="{B61BEF0D-F0BB-DE4B-95CE-6DB70DBA9567}" type="datetimeFigureOut">
               <a:rPr lang="en-US" dirty="0"/>
               <a:pPr/>
-              <a:t>4/24/2018</a:t>
+              <a:t>6/25/2018</a:t>
             </a:fld>
             <a:endParaRPr lang="en-US" dirty="0"/>
           </a:p>
@@ -2100,7 +2100,7 @@
             <a:fld id="{B61BEF0D-F0BB-DE4B-95CE-6DB70DBA9567}" type="datetimeFigureOut">
               <a:rPr lang="en-US" dirty="0"/>
               <a:pPr/>
-              <a:t>4/24/2018</a:t>
+              <a:t>6/25/2018</a:t>
             </a:fld>
             <a:endParaRPr lang="en-US" dirty="0"/>
           </a:p>
@@ -2399,7 +2399,7 @@
             <a:fld id="{B61BEF0D-F0BB-DE4B-95CE-6DB70DBA9567}" type="datetimeFigureOut">
               <a:rPr lang="en-US" dirty="0"/>
               <a:pPr/>
-              <a:t>4/24/2018</a:t>
+              <a:t>6/25/2018</a:t>
             </a:fld>
             <a:endParaRPr lang="en-US" dirty="0"/>
           </a:p>
@@ -2763,7 +2763,7 @@
             <a:fld id="{B61BEF0D-F0BB-DE4B-95CE-6DB70DBA9567}" type="datetimeFigureOut">
               <a:rPr lang="en-US" dirty="0"/>
               <a:pPr/>
-              <a:t>4/24/2018</a:t>
+              <a:t>6/25/2018</a:t>
             </a:fld>
             <a:endParaRPr lang="en-US" dirty="0"/>
           </a:p>
@@ -2934,7 +2934,7 @@
             <a:fld id="{B61BEF0D-F0BB-DE4B-95CE-6DB70DBA9567}" type="datetimeFigureOut">
               <a:rPr lang="en-US" dirty="0"/>
               <a:pPr/>
-              <a:t>4/24/2018</a:t>
+              <a:t>6/25/2018</a:t>
             </a:fld>
             <a:endParaRPr lang="en-US" dirty="0"/>
           </a:p>
@@ -3111,7 +3111,7 @@
             <a:fld id="{B61BEF0D-F0BB-DE4B-95CE-6DB70DBA9567}" type="datetimeFigureOut">
               <a:rPr lang="en-US" dirty="0"/>
               <a:pPr/>
-              <a:t>4/24/2018</a:t>
+              <a:t>6/25/2018</a:t>
             </a:fld>
             <a:endParaRPr lang="en-US" dirty="0"/>
           </a:p>
@@ -3278,7 +3278,7 @@
             <a:fld id="{B61BEF0D-F0BB-DE4B-95CE-6DB70DBA9567}" type="datetimeFigureOut">
               <a:rPr lang="en-US" dirty="0"/>
               <a:pPr/>
-              <a:t>4/24/2018</a:t>
+              <a:t>6/25/2018</a:t>
             </a:fld>
             <a:endParaRPr lang="en-US" dirty="0"/>
           </a:p>
@@ -3525,7 +3525,7 @@
             <a:fld id="{B61BEF0D-F0BB-DE4B-95CE-6DB70DBA9567}" type="datetimeFigureOut">
               <a:rPr lang="en-US" dirty="0"/>
               <a:pPr/>
-              <a:t>4/24/2018</a:t>
+              <a:t>6/25/2018</a:t>
             </a:fld>
             <a:endParaRPr lang="en-US" dirty="0"/>
           </a:p>
@@ -3758,7 +3758,7 @@
             <a:fld id="{B61BEF0D-F0BB-DE4B-95CE-6DB70DBA9567}" type="datetimeFigureOut">
               <a:rPr lang="en-US" dirty="0"/>
               <a:pPr/>
-              <a:t>4/24/2018</a:t>
+              <a:t>6/25/2018</a:t>
             </a:fld>
             <a:endParaRPr lang="en-US" dirty="0"/>
           </a:p>
@@ -4137,7 +4137,7 @@
             <a:fld id="{B61BEF0D-F0BB-DE4B-95CE-6DB70DBA9567}" type="datetimeFigureOut">
               <a:rPr lang="en-US" dirty="0"/>
               <a:pPr/>
-              <a:t>4/24/2018</a:t>
+              <a:t>6/25/2018</a:t>
             </a:fld>
             <a:endParaRPr lang="en-US" dirty="0"/>
           </a:p>
@@ -4252,7 +4252,7 @@
             <a:fld id="{B61BEF0D-F0BB-DE4B-95CE-6DB70DBA9567}" type="datetimeFigureOut">
               <a:rPr lang="en-US" dirty="0"/>
               <a:pPr/>
-              <a:t>4/24/2018</a:t>
+              <a:t>6/25/2018</a:t>
             </a:fld>
             <a:endParaRPr lang="en-US" dirty="0"/>
           </a:p>
@@ -4344,7 +4344,7 @@
             <a:fld id="{B61BEF0D-F0BB-DE4B-95CE-6DB70DBA9567}" type="datetimeFigureOut">
               <a:rPr lang="en-US" dirty="0"/>
               <a:pPr/>
-              <a:t>4/24/2018</a:t>
+              <a:t>6/25/2018</a:t>
             </a:fld>
             <a:endParaRPr lang="en-US" dirty="0"/>
           </a:p>
@@ -4596,7 +4596,7 @@
             <a:fld id="{B61BEF0D-F0BB-DE4B-95CE-6DB70DBA9567}" type="datetimeFigureOut">
               <a:rPr lang="en-US" dirty="0"/>
               <a:pPr/>
-              <a:t>4/24/2018</a:t>
+              <a:t>6/25/2018</a:t>
             </a:fld>
             <a:endParaRPr lang="en-US" dirty="0"/>
           </a:p>
@@ -4876,7 +4876,7 @@
             <a:fld id="{B61BEF0D-F0BB-DE4B-95CE-6DB70DBA9567}" type="datetimeFigureOut">
               <a:rPr lang="en-US" dirty="0"/>
               <a:pPr/>
-              <a:t>4/24/2018</a:t>
+              <a:t>6/25/2018</a:t>
             </a:fld>
             <a:endParaRPr lang="en-US" dirty="0"/>
           </a:p>
@@ -5282,7 +5282,7 @@
             <a:fld id="{B61BEF0D-F0BB-DE4B-95CE-6DB70DBA9567}" type="datetimeFigureOut">
               <a:rPr lang="en-US" dirty="0"/>
               <a:pPr/>
-              <a:t>4/24/2018</a:t>
+              <a:t>6/25/2018</a:t>
             </a:fld>
             <a:endParaRPr lang="en-US" dirty="0"/>
           </a:p>
@@ -6533,7 +6533,7 @@
                   <a:schemeClr val="tx1"/>
                 </a:solidFill>
               </a:rPr>
-              <a:t>!= </a:t>
+              <a:t>!=  </a:t>
             </a:r>
             <a:r>
               <a:rPr lang="en-IN" dirty="0" smtClean="0">
@@ -6992,12 +6992,20 @@
               <a:t>remainderOn</a:t>
             </a:r>
             <a:r>
+              <a:rPr lang="en-IN" b="1" dirty="0">
+                <a:solidFill>
+                  <a:schemeClr val="tx1"/>
+                </a:solidFill>
+              </a:rPr>
+              <a:t> </a:t>
+            </a:r>
+            <a:r>
               <a:rPr lang="en-IN" b="1" dirty="0" smtClean="0">
                 <a:solidFill>
                   <a:schemeClr val="tx1"/>
                 </a:solidFill>
               </a:rPr>
-              <a:t> == true) {</a:t>
+              <a:t>== true) {</a:t>
             </a:r>
           </a:p>
           <a:p>
@@ -8348,7 +8356,7 @@
                   <a:schemeClr val="tx1"/>
                 </a:solidFill>
               </a:rPr>
-              <a:t>Loop n times</a:t>
+              <a:t>Loop n times ( n = 5)</a:t>
             </a:r>
           </a:p>
           <a:p>
@@ -8393,7 +8401,23 @@
                   <a:schemeClr val="tx1"/>
                 </a:solidFill>
               </a:rPr>
-              <a:t> &lt; n; n++) {</a:t>
+              <a:t> &lt; n; </a:t>
+            </a:r>
+            <a:r>
+              <a:rPr lang="en-IN" b="1" dirty="0" err="1" smtClean="0">
+                <a:solidFill>
+                  <a:schemeClr val="tx1"/>
+                </a:solidFill>
+              </a:rPr>
+              <a:t>i</a:t>
+            </a:r>
+            <a:r>
+              <a:rPr lang="en-IN" b="1" dirty="0" smtClean="0">
+                <a:solidFill>
+                  <a:schemeClr val="tx1"/>
+                </a:solidFill>
+              </a:rPr>
+              <a:t>++) {</a:t>
             </a:r>
           </a:p>
           <a:p>
@@ -10300,7 +10324,71 @@
                   <a:schemeClr val="tx1"/>
                 </a:solidFill>
               </a:rPr>
-              <a:t>The elements are accessed  by index.</a:t>
+              <a:t>The elements are accessed  by index. </a:t>
+            </a:r>
+            <a:r>
+              <a:rPr lang="en-IN" dirty="0" err="1" smtClean="0">
+                <a:solidFill>
+                  <a:schemeClr val="tx1"/>
+                </a:solidFill>
+              </a:rPr>
+              <a:t>Int</a:t>
+            </a:r>
+            <a:r>
+              <a:rPr lang="en-IN" dirty="0" smtClean="0">
+                <a:solidFill>
+                  <a:schemeClr val="tx1"/>
+                </a:solidFill>
+              </a:rPr>
+              <a:t> x = </a:t>
+            </a:r>
+            <a:r>
+              <a:rPr lang="en-IN" b="1" dirty="0" err="1">
+                <a:solidFill>
+                  <a:schemeClr val="tx1"/>
+                </a:solidFill>
+              </a:rPr>
+              <a:t>myArray</a:t>
+            </a:r>
+            <a:r>
+              <a:rPr lang="en-IN" b="1" dirty="0">
+                <a:solidFill>
+                  <a:schemeClr val="tx1"/>
+                </a:solidFill>
+              </a:rPr>
+              <a:t> </a:t>
+            </a:r>
+            <a:r>
+              <a:rPr lang="en-IN" b="1" dirty="0" smtClean="0">
+                <a:solidFill>
+                  <a:schemeClr val="tx1"/>
+                </a:solidFill>
+              </a:rPr>
+              <a:t>[7] ; // Here x will have 1, </a:t>
+            </a:r>
+            <a:r>
+              <a:rPr lang="en-IN" b="1" dirty="0" err="1">
+                <a:solidFill>
+                  <a:schemeClr val="tx1"/>
+                </a:solidFill>
+              </a:rPr>
+              <a:t>myArray</a:t>
+            </a:r>
+            <a:r>
+              <a:rPr lang="en-IN" b="1" dirty="0">
+                <a:solidFill>
+                  <a:schemeClr val="tx1"/>
+                </a:solidFill>
+              </a:rPr>
+              <a:t> </a:t>
+            </a:r>
+            <a:r>
+              <a:rPr lang="en-IN" b="1" dirty="0" smtClean="0">
+                <a:solidFill>
+                  <a:schemeClr val="tx1"/>
+                </a:solidFill>
+              </a:rPr>
+              <a:t>[6] = 7; // Here we are assigning value,</a:t>
             </a:r>
           </a:p>
           <a:p>
@@ -11508,7 +11596,7 @@
                   <a:schemeClr val="tx1"/>
                 </a:solidFill>
               </a:rPr>
-              <a:t>[] = {9, 9, 6, 6, 1, 3, 6, 1, 4, 9};</a:t>
+              <a:t>[] = {9, 9, 6, 6, 1, 3, 6, 1, 4, 9}; </a:t>
             </a:r>
             <a:endParaRPr lang="en-IN" dirty="0">
               <a:solidFill>
@@ -11618,6 +11706,43 @@
               <a:buNone/>
             </a:pPr>
             <a:r>
+              <a:rPr lang="en-IN" dirty="0" err="1" smtClean="0">
+                <a:solidFill>
+                  <a:schemeClr val="tx1"/>
+                </a:solidFill>
+              </a:rPr>
+              <a:t>Int</a:t>
+            </a:r>
+            <a:r>
+              <a:rPr lang="en-IN" dirty="0" smtClean="0">
+                <a:solidFill>
+                  <a:schemeClr val="tx1"/>
+                </a:solidFill>
+              </a:rPr>
+              <a:t> </a:t>
+            </a:r>
+            <a:r>
+              <a:rPr lang="en-IN" dirty="0" err="1" smtClean="0">
+                <a:solidFill>
+                  <a:schemeClr val="tx1"/>
+                </a:solidFill>
+              </a:rPr>
+              <a:t>myArray</a:t>
+            </a:r>
+            <a:r>
+              <a:rPr lang="en-IN" dirty="0" smtClean="0">
+                <a:solidFill>
+                  <a:schemeClr val="tx1"/>
+                </a:solidFill>
+              </a:rPr>
+              <a:t> = new Array[8];</a:t>
+            </a:r>
+          </a:p>
+          <a:p>
+            <a:pPr marL="0" indent="0">
+              <a:buNone/>
+            </a:pPr>
+            <a:r>
               <a:rPr lang="en-IN" b="1" dirty="0" smtClean="0">
                 <a:solidFill>
                   <a:schemeClr val="tx1"/>
@@ -11679,7 +11804,7 @@
                   <a:schemeClr val="tx1"/>
                 </a:solidFill>
               </a:rPr>
-              <a:t>myArraly.length</a:t>
+              <a:t>myArray.length</a:t>
             </a:r>
             <a:r>
               <a:rPr lang="en-IN" b="1" dirty="0" smtClean="0">
@@ -11769,7 +11894,7 @@
                   <a:schemeClr val="tx1"/>
                 </a:solidFill>
               </a:rPr>
-              <a:t>}</a:t>
+              <a:t>}	</a:t>
             </a:r>
             <a:endParaRPr lang="en-IN" b="1" dirty="0">
               <a:solidFill>
@@ -13597,14 +13722,14 @@
           <a:p>
             <a:pPr algn="ctr"/>
             <a:r>
-              <a:rPr lang="en-IN">
+              <a:rPr lang="en-IN" dirty="0">
                 <a:solidFill>
                   <a:schemeClr val="tx1"/>
                 </a:solidFill>
               </a:rPr>
               <a:t>Interpreter</a:t>
             </a:r>
-            <a:endParaRPr lang="en-IN"/>
+            <a:endParaRPr lang="en-IN" dirty="0"/>
           </a:p>
         </p:txBody>
       </p:sp>
@@ -17631,7 +17756,7 @@
               <a:t>	Member </a:t>
             </a:r>
             <a:r>
-              <a:rPr lang="en-IN" dirty="0" err="1">
+              <a:rPr lang="en-IN" dirty="0" err="1" smtClean="0">
                 <a:solidFill>
                   <a:schemeClr val="tx1"/>
                 </a:solidFill>
@@ -17639,13 +17764,18 @@
               <a:t>member</a:t>
             </a:r>
             <a:r>
-              <a:rPr lang="en-IN" dirty="0">
+              <a:rPr lang="en-IN" dirty="0" smtClean="0">
                 <a:solidFill>
                   <a:schemeClr val="tx1"/>
                 </a:solidFill>
               </a:rPr>
               <a:t>;</a:t>
             </a:r>
+            <a:endParaRPr lang="en-IN" dirty="0">
+              <a:solidFill>
+                <a:schemeClr val="tx1"/>
+              </a:solidFill>
+            </a:endParaRPr>
           </a:p>
           <a:p>
             <a:r>
@@ -23288,7 +23418,7 @@
         <p:spPr>
           <a:xfrm>
             <a:off x="807074" y="3550030"/>
-            <a:ext cx="10835427" cy="2862322"/>
+            <a:ext cx="10835427" cy="2585323"/>
           </a:xfrm>
           <a:prstGeom prst="rect">
             <a:avLst/>
@@ -23340,7 +23470,17 @@
               <a:rPr lang="en-IN" dirty="0" smtClean="0">
                 <a:latin typeface="WlkrqySjjtgjJyymyfUtopiaStd-Regular"/>
               </a:rPr>
-              <a:t>.</a:t>
+              <a:t>. (this is </a:t>
+            </a:r>
+            <a:r>
+              <a:rPr lang="en-IN" dirty="0"/>
+              <a:t>achieved </a:t>
+            </a:r>
+            <a:r>
+              <a:rPr lang="en-IN" dirty="0" smtClean="0">
+                <a:latin typeface="WlkrqySjjtgjJyymyfUtopiaStd-Regular"/>
+              </a:rPr>
+              <a:t>using abstract classes and interfaces).</a:t>
             </a:r>
           </a:p>
           <a:p>
@@ -23359,15 +23499,19 @@
               <a:rPr lang="en-IN" dirty="0">
                 <a:latin typeface="WlkrqySjjtgjJyymyfUtopiaStd-Regular"/>
               </a:rPr>
-              <a:t> is the process of bundling data and operations on the data together</a:t>
-            </a:r>
-          </a:p>
-          <a:p>
+              <a:t> is the process of bundling data and operations on the data </a:t>
+            </a:r>
+            <a:r>
+              <a:rPr lang="en-IN" dirty="0" smtClean="0">
+                <a:latin typeface="WlkrqySjjtgjJyymyfUtopiaStd-Regular"/>
+              </a:rPr>
+              <a:t>together in </a:t>
+            </a:r>
             <a:r>
               <a:rPr lang="en-IN" dirty="0">
                 <a:latin typeface="WlkrqySjjtgjJyymyfUtopiaStd-Regular"/>
               </a:rPr>
-              <a:t>in an entity</a:t>
+              <a:t>an entity</a:t>
             </a:r>
             <a:r>
               <a:rPr lang="en-IN" dirty="0" smtClean="0">
@@ -24012,6 +24156,30 @@
           </a:p>
         </p:txBody>
       </p:sp>
+      <p:pic>
+        <p:nvPicPr>
+          <p:cNvPr id="2" name="Picture 1"/>
+          <p:cNvPicPr>
+            <a:picLocks noChangeAspect="1"/>
+          </p:cNvPicPr>
+          <p:nvPr/>
+        </p:nvPicPr>
+        <p:blipFill>
+          <a:blip r:embed="rId2"/>
+          <a:stretch>
+            <a:fillRect/>
+          </a:stretch>
+        </p:blipFill>
+        <p:spPr>
+          <a:xfrm>
+            <a:off x="7807192" y="3138985"/>
+            <a:ext cx="3941540" cy="3311430"/>
+          </a:xfrm>
+          <a:prstGeom prst="rect">
+            <a:avLst/>
+          </a:prstGeom>
+        </p:spPr>
+      </p:pic>
     </p:spTree>
     <p:extLst>
       <p:ext uri="{BB962C8B-B14F-4D97-AF65-F5344CB8AC3E}">
@@ -24355,7 +24523,7 @@
         <p:spPr>
           <a:xfrm>
             <a:off x="5417712" y="3247372"/>
-            <a:ext cx="6096000" cy="3970318"/>
+            <a:ext cx="6096000" cy="3693319"/>
           </a:xfrm>
           <a:prstGeom prst="rect">
             <a:avLst/>
@@ -24522,15 +24690,12 @@
             </a:r>
           </a:p>
           <a:p>
-            <a:endParaRPr lang="en-IN" b="1" dirty="0" smtClean="0"/>
-          </a:p>
-          <a:p>
-            <a:r>
-              <a:rPr lang="en-IN" b="1" dirty="0" err="1"/>
+            <a:r>
+              <a:rPr lang="en-IN" b="1" dirty="0" err="1" smtClean="0"/>
               <a:t>int</a:t>
             </a:r>
             <a:r>
-              <a:rPr lang="en-IN" b="1" dirty="0"/>
+              <a:rPr lang="en-IN" b="1" dirty="0" smtClean="0"/>
               <a:t> s1 = </a:t>
             </a:r>
             <a:r>
@@ -24544,18 +24709,61 @@
           </a:p>
           <a:p>
             <a:r>
+              <a:rPr lang="en-IN" b="1" dirty="0" err="1" smtClean="0"/>
+              <a:t>System.out.println</a:t>
+            </a:r>
+            <a:r>
+              <a:rPr lang="en-IN" b="1" dirty="0" smtClean="0"/>
+              <a:t>(s1</a:t>
+            </a:r>
+            <a:r>
+              <a:rPr lang="en-IN" b="1" dirty="0"/>
+              <a:t>);</a:t>
+            </a:r>
+          </a:p>
+          <a:p>
+            <a:r>
+              <a:rPr lang="en-IN" b="1" dirty="0" smtClean="0"/>
+              <a:t>s1 </a:t>
+            </a:r>
+            <a:r>
+              <a:rPr lang="en-IN" b="1" dirty="0"/>
+              <a:t>= </a:t>
+            </a:r>
+            <a:r>
+              <a:rPr lang="en-IN" b="1" dirty="0" err="1" smtClean="0"/>
+              <a:t>getRangeSum</a:t>
+            </a:r>
+            <a:r>
+              <a:rPr lang="en-IN" b="1" dirty="0" smtClean="0"/>
+              <a:t>(40</a:t>
+            </a:r>
+            <a:r>
+              <a:rPr lang="en-IN" b="1" dirty="0"/>
+              <a:t>, </a:t>
+            </a:r>
+            <a:r>
+              <a:rPr lang="en-IN" b="1" dirty="0" smtClean="0"/>
+              <a:t>60</a:t>
+            </a:r>
+            <a:r>
+              <a:rPr lang="en-IN" b="1" dirty="0"/>
+              <a:t>);</a:t>
+            </a:r>
+          </a:p>
+          <a:p>
+            <a:r>
               <a:rPr lang="en-IN" b="1" dirty="0" err="1"/>
               <a:t>System.out.println</a:t>
             </a:r>
             <a:r>
               <a:rPr lang="en-IN" b="1" dirty="0"/>
-              <a:t>(s1);</a:t>
-            </a:r>
-          </a:p>
-          <a:p>
-            <a:endParaRPr lang="en-IN" b="1" dirty="0"/>
-          </a:p>
-          <a:p>
+              <a:t>(s1</a:t>
+            </a:r>
+            <a:r>
+              <a:rPr lang="en-IN" b="1" dirty="0" smtClean="0"/>
+              <a:t>);</a:t>
+            </a:r>
             <a:endParaRPr lang="en-IN" b="1" dirty="0"/>
           </a:p>
         </p:txBody>
@@ -27333,7 +27541,23 @@
                   <a:schemeClr val="tx1"/>
                 </a:solidFill>
               </a:rPr>
-              <a:t>All three components of the </a:t>
+              <a:t>All </a:t>
+            </a:r>
+            <a:r>
+              <a:rPr lang="en-IN" sz="1600" dirty="0" smtClean="0">
+                <a:solidFill>
+                  <a:schemeClr val="tx1"/>
+                </a:solidFill>
+              </a:rPr>
+              <a:t>these </a:t>
+            </a:r>
+            <a:r>
+              <a:rPr lang="en-IN" sz="1600" dirty="0">
+                <a:solidFill>
+                  <a:schemeClr val="tx1"/>
+                </a:solidFill>
+              </a:rPr>
+              <a:t>components of the </a:t>
             </a:r>
             <a:r>
               <a:rPr lang="en-IN" sz="1600" dirty="0" err="1">
@@ -32796,7 +33020,23 @@
           <a:p>
             <a:r>
               <a:rPr lang="en-IN" b="1" i="1" dirty="0" smtClean="0"/>
-              <a:t>At person level you will concentrate on common characteristics of Customer and Employee and Employee your will concentrate on common characteristics of Clerk, Programmer and Cashier.</a:t>
+              <a:t>At person level you will concentrate on common characteristics of Customer and Employee </a:t>
+            </a:r>
+            <a:r>
+              <a:rPr lang="en-IN" b="1" i="1" dirty="0" smtClean="0"/>
+              <a:t>and at </a:t>
+            </a:r>
+            <a:r>
+              <a:rPr lang="en-IN" b="1" i="1" dirty="0" smtClean="0"/>
+              <a:t>Employee </a:t>
+            </a:r>
+            <a:r>
+              <a:rPr lang="en-IN" b="1" i="1" dirty="0" smtClean="0"/>
+              <a:t>you </a:t>
+            </a:r>
+            <a:r>
+              <a:rPr lang="en-IN" b="1" i="1" dirty="0" smtClean="0"/>
+              <a:t>will concentrate on common characteristics of Clerk, Programmer and Cashier.</a:t>
             </a:r>
             <a:endParaRPr lang="en-IN" b="1" i="1" dirty="0"/>
           </a:p>
@@ -39826,15 +40066,7 @@
                   <a:schemeClr val="tx1"/>
                 </a:solidFill>
               </a:rPr>
-              <a:t> </a:t>
-            </a:r>
-            <a:r>
-              <a:rPr lang="en-IN" dirty="0" smtClean="0">
-                <a:solidFill>
-                  <a:schemeClr val="tx1"/>
-                </a:solidFill>
-              </a:rPr>
-              <a:t>= 5.0/4.0;	// correct</a:t>
+              <a:t> = 5.0/4.0;	// correct</a:t>
             </a:r>
           </a:p>
           <a:p>
